--- a/documentation/osehra-fhir-070115.pptx
+++ b/documentation/osehra-fhir-070115.pptx
@@ -150,6 +150,22 @@
       </a:defRPr>
     </a:lvl9pPr>
   </p:defaultTextStyle>
+  <p:extLst>
+    <p:ext uri="{EFAFB233-063F-42B5-8137-9DF3F51BA10A}">
+      <p15:sldGuideLst xmlns:p15="http://schemas.microsoft.com/office/powerpoint/2012/main">
+        <p15:guide id="1" orient="horz" pos="2160">
+          <p15:clr>
+            <a:srgbClr val="A4A3A4"/>
+          </p15:clr>
+        </p15:guide>
+        <p15:guide id="2" pos="2880">
+          <p15:clr>
+            <a:srgbClr val="A4A3A4"/>
+          </p15:clr>
+        </p15:guide>
+      </p15:sldGuideLst>
+    </p:ext>
+  </p:extLst>
 </p:presentation>
 </file>
 
@@ -264,7 +280,7 @@
               <a:pPr>
                 <a:defRPr/>
               </a:pPr>
-              <a:t>7/29/15</a:t>
+              <a:t>8/12/16</a:t>
             </a:fld>
             <a:endParaRPr lang="en-US"/>
           </a:p>
@@ -629,15 +645,15 @@
             <a:tailEnd/>
           </a:ln>
           <a:extLst>
-            <a:ext uri="{909E8E84-426E-40dd-AFC4-6F175D3DCCD1}">
-              <a14:hiddenFill xmlns:a14="http://schemas.microsoft.com/office/drawing/2010/main">
-                <a:solidFill>
-                  <a:srgbClr val="FFFFFF"/>
-                </a:solidFill>
-              </a14:hiddenFill>
-            </a:ext>
             <a:ext uri="{FAA26D3D-D897-4be2-8F04-BA451C77F1D7}">
               <ma14:placeholderFlag xmlns:ma14="http://schemas.microsoft.com/office/mac/drawingml/2011/main" val="1"/>
+            </a:ext>
+            <a:ext uri="{909E8E84-426E-40dd-AFC4-6F175D3DCCD1}">
+              <a14:hiddenFill xmlns:a14="http://schemas.microsoft.com/office/drawing/2010/main" xmlns="">
+                <a:solidFill>
+                  <a:srgbClr val="FFFFFF"/>
+                </a:solidFill>
+              </a14:hiddenFill>
             </a:ext>
           </a:extLst>
         </p:spPr>
@@ -656,14 +672,14 @@
           <a:noFill/>
           <a:extLst>
             <a:ext uri="{909E8E84-426E-40dd-AFC4-6F175D3DCCD1}">
-              <a14:hiddenFill xmlns:a14="http://schemas.microsoft.com/office/drawing/2010/main">
+              <a14:hiddenFill xmlns:a14="http://schemas.microsoft.com/office/drawing/2010/main" xmlns="">
                 <a:solidFill>
                   <a:srgbClr val="FFFFFF"/>
                 </a:solidFill>
               </a14:hiddenFill>
             </a:ext>
             <a:ext uri="{91240B29-F687-4f45-9708-019B960494DF}">
-              <a14:hiddenLine xmlns:a14="http://schemas.microsoft.com/office/drawing/2010/main" w="9525">
+              <a14:hiddenLine xmlns:a14="http://schemas.microsoft.com/office/drawing/2010/main" xmlns="" w="9525">
                 <a:solidFill>
                   <a:srgbClr val="000000"/>
                 </a:solidFill>
@@ -707,14 +723,14 @@
           <a:noFill/>
           <a:extLst>
             <a:ext uri="{909E8E84-426E-40dd-AFC4-6F175D3DCCD1}">
-              <a14:hiddenFill xmlns:a14="http://schemas.microsoft.com/office/drawing/2010/main">
+              <a14:hiddenFill xmlns:a14="http://schemas.microsoft.com/office/drawing/2010/main" xmlns="">
                 <a:solidFill>
                   <a:srgbClr val="FFFFFF"/>
                 </a:solidFill>
               </a14:hiddenFill>
             </a:ext>
             <a:ext uri="{91240B29-F687-4f45-9708-019B960494DF}">
-              <a14:hiddenLine xmlns:a14="http://schemas.microsoft.com/office/drawing/2010/main" w="9525">
+              <a14:hiddenLine xmlns:a14="http://schemas.microsoft.com/office/drawing/2010/main" xmlns="" w="9525">
                 <a:solidFill>
                   <a:srgbClr val="000000"/>
                 </a:solidFill>
@@ -865,6 +881,11 @@
         </p:txBody>
       </p:sp>
     </p:spTree>
+    <p:extLst>
+      <p:ext uri="{BB962C8B-B14F-4D97-AF65-F5344CB8AC3E}">
+        <p14:creationId xmlns:p14="http://schemas.microsoft.com/office/powerpoint/2010/main" val="753775819"/>
+      </p:ext>
+    </p:extLst>
   </p:cSld>
   <p:clrMapOvr>
     <a:masterClrMapping/>
@@ -910,15 +931,15 @@
             <a:tailEnd/>
           </a:ln>
           <a:extLst>
-            <a:ext uri="{909E8E84-426E-40dd-AFC4-6F175D3DCCD1}">
-              <a14:hiddenFill xmlns:a14="http://schemas.microsoft.com/office/drawing/2010/main">
-                <a:solidFill>
-                  <a:srgbClr val="FFFFFF"/>
-                </a:solidFill>
-              </a14:hiddenFill>
-            </a:ext>
             <a:ext uri="{FAA26D3D-D897-4be2-8F04-BA451C77F1D7}">
               <ma14:placeholderFlag xmlns:ma14="http://schemas.microsoft.com/office/mac/drawingml/2011/main" val="1"/>
+            </a:ext>
+            <a:ext uri="{909E8E84-426E-40dd-AFC4-6F175D3DCCD1}">
+              <a14:hiddenFill xmlns:a14="http://schemas.microsoft.com/office/drawing/2010/main" xmlns="">
+                <a:solidFill>
+                  <a:srgbClr val="FFFFFF"/>
+                </a:solidFill>
+              </a14:hiddenFill>
             </a:ext>
           </a:extLst>
         </p:spPr>
@@ -936,15 +957,18 @@
         <p:spPr bwMode="auto">
           <a:noFill/>
           <a:extLst>
+            <a:ext uri="{FAA26D3D-D897-4be2-8F04-BA451C77F1D7}">
+              <ma14:placeholderFlag xmlns:ma14="http://schemas.microsoft.com/office/mac/drawingml/2011/main" val="1"/>
+            </a:ext>
             <a:ext uri="{909E8E84-426E-40dd-AFC4-6F175D3DCCD1}">
-              <a14:hiddenFill xmlns:a14="http://schemas.microsoft.com/office/drawing/2010/main">
+              <a14:hiddenFill xmlns:a14="http://schemas.microsoft.com/office/drawing/2010/main" xmlns="">
                 <a:solidFill>
                   <a:srgbClr val="FFFFFF"/>
                 </a:solidFill>
               </a14:hiddenFill>
             </a:ext>
             <a:ext uri="{91240B29-F687-4f45-9708-019B960494DF}">
-              <a14:hiddenLine xmlns:a14="http://schemas.microsoft.com/office/drawing/2010/main" w="9525">
+              <a14:hiddenLine xmlns:a14="http://schemas.microsoft.com/office/drawing/2010/main" xmlns="" w="9525">
                 <a:solidFill>
                   <a:srgbClr val="000000"/>
                 </a:solidFill>
@@ -952,9 +976,6 @@
                 <a:headEnd/>
                 <a:tailEnd/>
               </a14:hiddenLine>
-            </a:ext>
-            <a:ext uri="{FAA26D3D-D897-4be2-8F04-BA451C77F1D7}">
-              <ma14:placeholderFlag xmlns:ma14="http://schemas.microsoft.com/office/mac/drawingml/2011/main" val="1"/>
             </a:ext>
           </a:extLst>
         </p:spPr>
@@ -1002,6 +1023,11 @@
         </p:txBody>
       </p:sp>
     </p:spTree>
+    <p:extLst>
+      <p:ext uri="{BB962C8B-B14F-4D97-AF65-F5344CB8AC3E}">
+        <p14:creationId xmlns:p14="http://schemas.microsoft.com/office/powerpoint/2010/main" val="704156280"/>
+      </p:ext>
+    </p:extLst>
   </p:cSld>
   <p:clrMapOvr>
     <a:masterClrMapping/>
@@ -1047,15 +1073,15 @@
             <a:tailEnd/>
           </a:ln>
           <a:extLst>
-            <a:ext uri="{909E8E84-426E-40dd-AFC4-6F175D3DCCD1}">
-              <a14:hiddenFill xmlns:a14="http://schemas.microsoft.com/office/drawing/2010/main">
-                <a:solidFill>
-                  <a:srgbClr val="FFFFFF"/>
-                </a:solidFill>
-              </a14:hiddenFill>
-            </a:ext>
             <a:ext uri="{FAA26D3D-D897-4be2-8F04-BA451C77F1D7}">
               <ma14:placeholderFlag xmlns:ma14="http://schemas.microsoft.com/office/mac/drawingml/2011/main" val="1"/>
+            </a:ext>
+            <a:ext uri="{909E8E84-426E-40dd-AFC4-6F175D3DCCD1}">
+              <a14:hiddenFill xmlns:a14="http://schemas.microsoft.com/office/drawing/2010/main" xmlns="">
+                <a:solidFill>
+                  <a:srgbClr val="FFFFFF"/>
+                </a:solidFill>
+              </a14:hiddenFill>
             </a:ext>
           </a:extLst>
         </p:spPr>
@@ -1073,15 +1099,18 @@
         <p:spPr bwMode="auto">
           <a:noFill/>
           <a:extLst>
+            <a:ext uri="{FAA26D3D-D897-4be2-8F04-BA451C77F1D7}">
+              <ma14:placeholderFlag xmlns:ma14="http://schemas.microsoft.com/office/mac/drawingml/2011/main" val="1"/>
+            </a:ext>
             <a:ext uri="{909E8E84-426E-40dd-AFC4-6F175D3DCCD1}">
-              <a14:hiddenFill xmlns:a14="http://schemas.microsoft.com/office/drawing/2010/main">
+              <a14:hiddenFill xmlns:a14="http://schemas.microsoft.com/office/drawing/2010/main" xmlns="">
                 <a:solidFill>
                   <a:srgbClr val="FFFFFF"/>
                 </a:solidFill>
               </a14:hiddenFill>
             </a:ext>
             <a:ext uri="{91240B29-F687-4f45-9708-019B960494DF}">
-              <a14:hiddenLine xmlns:a14="http://schemas.microsoft.com/office/drawing/2010/main" w="9525">
+              <a14:hiddenLine xmlns:a14="http://schemas.microsoft.com/office/drawing/2010/main" xmlns="" w="9525">
                 <a:solidFill>
                   <a:srgbClr val="000000"/>
                 </a:solidFill>
@@ -1089,9 +1118,6 @@
                 <a:headEnd/>
                 <a:tailEnd/>
               </a14:hiddenLine>
-            </a:ext>
-            <a:ext uri="{FAA26D3D-D897-4be2-8F04-BA451C77F1D7}">
-              <ma14:placeholderFlag xmlns:ma14="http://schemas.microsoft.com/office/mac/drawingml/2011/main" val="1"/>
             </a:ext>
           </a:extLst>
         </p:spPr>
@@ -1145,6 +1171,11 @@
         </p:txBody>
       </p:sp>
     </p:spTree>
+    <p:extLst>
+      <p:ext uri="{BB962C8B-B14F-4D97-AF65-F5344CB8AC3E}">
+        <p14:creationId xmlns:p14="http://schemas.microsoft.com/office/powerpoint/2010/main" val="2119702990"/>
+      </p:ext>
+    </p:extLst>
   </p:cSld>
   <p:clrMapOvr>
     <a:masterClrMapping/>
@@ -1190,15 +1221,15 @@
             <a:tailEnd/>
           </a:ln>
           <a:extLst>
-            <a:ext uri="{909E8E84-426E-40dd-AFC4-6F175D3DCCD1}">
-              <a14:hiddenFill xmlns:a14="http://schemas.microsoft.com/office/drawing/2010/main">
-                <a:solidFill>
-                  <a:srgbClr val="FFFFFF"/>
-                </a:solidFill>
-              </a14:hiddenFill>
-            </a:ext>
             <a:ext uri="{FAA26D3D-D897-4be2-8F04-BA451C77F1D7}">
               <ma14:placeholderFlag xmlns:ma14="http://schemas.microsoft.com/office/mac/drawingml/2011/main" val="1"/>
+            </a:ext>
+            <a:ext uri="{909E8E84-426E-40dd-AFC4-6F175D3DCCD1}">
+              <a14:hiddenFill xmlns:a14="http://schemas.microsoft.com/office/drawing/2010/main" xmlns="">
+                <a:solidFill>
+                  <a:srgbClr val="FFFFFF"/>
+                </a:solidFill>
+              </a14:hiddenFill>
             </a:ext>
           </a:extLst>
         </p:spPr>
@@ -1216,15 +1247,18 @@
         <p:spPr bwMode="auto">
           <a:noFill/>
           <a:extLst>
+            <a:ext uri="{FAA26D3D-D897-4be2-8F04-BA451C77F1D7}">
+              <ma14:placeholderFlag xmlns:ma14="http://schemas.microsoft.com/office/mac/drawingml/2011/main" val="1"/>
+            </a:ext>
             <a:ext uri="{909E8E84-426E-40dd-AFC4-6F175D3DCCD1}">
-              <a14:hiddenFill xmlns:a14="http://schemas.microsoft.com/office/drawing/2010/main">
+              <a14:hiddenFill xmlns:a14="http://schemas.microsoft.com/office/drawing/2010/main" xmlns="">
                 <a:solidFill>
                   <a:srgbClr val="FFFFFF"/>
                 </a:solidFill>
               </a14:hiddenFill>
             </a:ext>
             <a:ext uri="{91240B29-F687-4f45-9708-019B960494DF}">
-              <a14:hiddenLine xmlns:a14="http://schemas.microsoft.com/office/drawing/2010/main" w="9525">
+              <a14:hiddenLine xmlns:a14="http://schemas.microsoft.com/office/drawing/2010/main" xmlns="" w="9525">
                 <a:solidFill>
                   <a:srgbClr val="000000"/>
                 </a:solidFill>
@@ -1232,9 +1266,6 @@
                 <a:headEnd/>
                 <a:tailEnd/>
               </a14:hiddenLine>
-            </a:ext>
-            <a:ext uri="{FAA26D3D-D897-4be2-8F04-BA451C77F1D7}">
-              <ma14:placeholderFlag xmlns:ma14="http://schemas.microsoft.com/office/mac/drawingml/2011/main" val="1"/>
             </a:ext>
           </a:extLst>
         </p:spPr>
@@ -1288,6 +1319,11 @@
         </p:txBody>
       </p:sp>
     </p:spTree>
+    <p:extLst>
+      <p:ext uri="{BB962C8B-B14F-4D97-AF65-F5344CB8AC3E}">
+        <p14:creationId xmlns:p14="http://schemas.microsoft.com/office/powerpoint/2010/main" val="1241932847"/>
+      </p:ext>
+    </p:extLst>
   </p:cSld>
   <p:clrMapOvr>
     <a:masterClrMapping/>
@@ -1333,15 +1369,15 @@
             <a:tailEnd/>
           </a:ln>
           <a:extLst>
-            <a:ext uri="{909E8E84-426E-40dd-AFC4-6F175D3DCCD1}">
-              <a14:hiddenFill xmlns:a14="http://schemas.microsoft.com/office/drawing/2010/main">
-                <a:solidFill>
-                  <a:srgbClr val="FFFFFF"/>
-                </a:solidFill>
-              </a14:hiddenFill>
-            </a:ext>
             <a:ext uri="{FAA26D3D-D897-4be2-8F04-BA451C77F1D7}">
               <ma14:placeholderFlag xmlns:ma14="http://schemas.microsoft.com/office/mac/drawingml/2011/main" val="1"/>
+            </a:ext>
+            <a:ext uri="{909E8E84-426E-40dd-AFC4-6F175D3DCCD1}">
+              <a14:hiddenFill xmlns:a14="http://schemas.microsoft.com/office/drawing/2010/main" xmlns="">
+                <a:solidFill>
+                  <a:srgbClr val="FFFFFF"/>
+                </a:solidFill>
+              </a14:hiddenFill>
             </a:ext>
           </a:extLst>
         </p:spPr>
@@ -1359,15 +1395,18 @@
         <p:spPr bwMode="auto">
           <a:noFill/>
           <a:extLst>
+            <a:ext uri="{FAA26D3D-D897-4be2-8F04-BA451C77F1D7}">
+              <ma14:placeholderFlag xmlns:ma14="http://schemas.microsoft.com/office/mac/drawingml/2011/main" val="1"/>
+            </a:ext>
             <a:ext uri="{909E8E84-426E-40dd-AFC4-6F175D3DCCD1}">
-              <a14:hiddenFill xmlns:a14="http://schemas.microsoft.com/office/drawing/2010/main">
+              <a14:hiddenFill xmlns:a14="http://schemas.microsoft.com/office/drawing/2010/main" xmlns="">
                 <a:solidFill>
                   <a:srgbClr val="FFFFFF"/>
                 </a:solidFill>
               </a14:hiddenFill>
             </a:ext>
             <a:ext uri="{91240B29-F687-4f45-9708-019B960494DF}">
-              <a14:hiddenLine xmlns:a14="http://schemas.microsoft.com/office/drawing/2010/main" w="9525">
+              <a14:hiddenLine xmlns:a14="http://schemas.microsoft.com/office/drawing/2010/main" xmlns="" w="9525">
                 <a:solidFill>
                   <a:srgbClr val="000000"/>
                 </a:solidFill>
@@ -1375,9 +1414,6 @@
                 <a:headEnd/>
                 <a:tailEnd/>
               </a14:hiddenLine>
-            </a:ext>
-            <a:ext uri="{FAA26D3D-D897-4be2-8F04-BA451C77F1D7}">
-              <ma14:placeholderFlag xmlns:ma14="http://schemas.microsoft.com/office/mac/drawingml/2011/main" val="1"/>
             </a:ext>
           </a:extLst>
         </p:spPr>
@@ -1437,6 +1473,11 @@
         </p:txBody>
       </p:sp>
     </p:spTree>
+    <p:extLst>
+      <p:ext uri="{BB962C8B-B14F-4D97-AF65-F5344CB8AC3E}">
+        <p14:creationId xmlns:p14="http://schemas.microsoft.com/office/powerpoint/2010/main" val="1539155850"/>
+      </p:ext>
+    </p:extLst>
   </p:cSld>
   <p:clrMapOvr>
     <a:masterClrMapping/>
@@ -1733,7 +1774,7 @@
               <a:pPr>
                 <a:defRPr/>
               </a:pPr>
-              <a:t>7/29/15</a:t>
+              <a:t>8/12/16</a:t>
             </a:fld>
             <a:endParaRPr lang="en-US"/>
           </a:p>
@@ -1930,7 +1971,7 @@
               <a:pPr>
                 <a:defRPr/>
               </a:pPr>
-              <a:t>7/29/15</a:t>
+              <a:t>8/12/16</a:t>
             </a:fld>
             <a:endParaRPr lang="en-US"/>
           </a:p>
@@ -2137,7 +2178,7 @@
               <a:pPr>
                 <a:defRPr/>
               </a:pPr>
-              <a:t>7/29/15</a:t>
+              <a:t>8/12/16</a:t>
             </a:fld>
             <a:endParaRPr lang="en-US"/>
           </a:p>
@@ -2334,7 +2375,7 @@
               <a:pPr>
                 <a:defRPr/>
               </a:pPr>
-              <a:t>7/29/15</a:t>
+              <a:t>8/12/16</a:t>
             </a:fld>
             <a:endParaRPr lang="en-US"/>
           </a:p>
@@ -2607,7 +2648,7 @@
               <a:pPr>
                 <a:defRPr/>
               </a:pPr>
-              <a:t>7/29/15</a:t>
+              <a:t>8/12/16</a:t>
             </a:fld>
             <a:endParaRPr lang="en-US"/>
           </a:p>
@@ -2922,7 +2963,7 @@
               <a:pPr>
                 <a:defRPr/>
               </a:pPr>
-              <a:t>7/29/15</a:t>
+              <a:t>8/12/16</a:t>
             </a:fld>
             <a:endParaRPr lang="en-US"/>
           </a:p>
@@ -3371,7 +3412,7 @@
               <a:pPr>
                 <a:defRPr/>
               </a:pPr>
-              <a:t>7/29/15</a:t>
+              <a:t>8/12/16</a:t>
             </a:fld>
             <a:endParaRPr lang="en-US"/>
           </a:p>
@@ -3516,7 +3557,7 @@
               <a:pPr>
                 <a:defRPr/>
               </a:pPr>
-              <a:t>7/29/15</a:t>
+              <a:t>8/12/16</a:t>
             </a:fld>
             <a:endParaRPr lang="en-US"/>
           </a:p>
@@ -3638,7 +3679,7 @@
               <a:pPr>
                 <a:defRPr/>
               </a:pPr>
-              <a:t>7/29/15</a:t>
+              <a:t>8/12/16</a:t>
             </a:fld>
             <a:endParaRPr lang="en-US"/>
           </a:p>
@@ -3942,7 +3983,7 @@
               <a:pPr>
                 <a:defRPr/>
               </a:pPr>
-              <a:t>7/29/15</a:t>
+              <a:t>8/12/16</a:t>
             </a:fld>
             <a:endParaRPr lang="en-US"/>
           </a:p>
@@ -4225,7 +4266,7 @@
               <a:pPr>
                 <a:defRPr/>
               </a:pPr>
-              <a:t>7/29/15</a:t>
+              <a:t>8/12/16</a:t>
             </a:fld>
             <a:endParaRPr lang="en-US"/>
           </a:p>
@@ -4366,15 +4407,18 @@
             <a:noFill/>
           </a:ln>
           <a:extLst>
+            <a:ext uri="{FAA26D3D-D897-4be2-8F04-BA451C77F1D7}">
+              <ma14:placeholderFlag xmlns:ma14="http://schemas.microsoft.com/office/mac/drawingml/2011/main" val="1"/>
+            </a:ext>
             <a:ext uri="{909E8E84-426E-40dd-AFC4-6F175D3DCCD1}">
-              <a14:hiddenFill xmlns:a14="http://schemas.microsoft.com/office/drawing/2010/main">
+              <a14:hiddenFill xmlns:a14="http://schemas.microsoft.com/office/drawing/2010/main" xmlns="">
                 <a:solidFill>
                   <a:srgbClr val="FFFFFF"/>
                 </a:solidFill>
               </a14:hiddenFill>
             </a:ext>
             <a:ext uri="{91240B29-F687-4f45-9708-019B960494DF}">
-              <a14:hiddenLine xmlns:a14="http://schemas.microsoft.com/office/drawing/2010/main" w="9525">
+              <a14:hiddenLine xmlns:a14="http://schemas.microsoft.com/office/drawing/2010/main" xmlns="" w="9525">
                 <a:solidFill>
                   <a:srgbClr val="000000"/>
                 </a:solidFill>
@@ -4382,9 +4426,6 @@
                 <a:headEnd/>
                 <a:tailEnd/>
               </a14:hiddenLine>
-            </a:ext>
-            <a:ext uri="{FAA26D3D-D897-4be2-8F04-BA451C77F1D7}">
-              <ma14:placeholderFlag xmlns:ma14="http://schemas.microsoft.com/office/mac/drawingml/2011/main" val="1"/>
             </a:ext>
           </a:extLst>
         </p:spPr>
@@ -4427,15 +4468,18 @@
             <a:noFill/>
           </a:ln>
           <a:extLst>
+            <a:ext uri="{FAA26D3D-D897-4be2-8F04-BA451C77F1D7}">
+              <ma14:placeholderFlag xmlns:ma14="http://schemas.microsoft.com/office/mac/drawingml/2011/main" val="1"/>
+            </a:ext>
             <a:ext uri="{909E8E84-426E-40dd-AFC4-6F175D3DCCD1}">
-              <a14:hiddenFill xmlns:a14="http://schemas.microsoft.com/office/drawing/2010/main">
+              <a14:hiddenFill xmlns:a14="http://schemas.microsoft.com/office/drawing/2010/main" xmlns="">
                 <a:solidFill>
                   <a:srgbClr val="FFFFFF"/>
                 </a:solidFill>
               </a14:hiddenFill>
             </a:ext>
             <a:ext uri="{91240B29-F687-4f45-9708-019B960494DF}">
-              <a14:hiddenLine xmlns:a14="http://schemas.microsoft.com/office/drawing/2010/main" w="9525">
+              <a14:hiddenLine xmlns:a14="http://schemas.microsoft.com/office/drawing/2010/main" xmlns="" w="9525">
                 <a:solidFill>
                   <a:srgbClr val="000000"/>
                 </a:solidFill>
@@ -4443,9 +4487,6 @@
                 <a:headEnd/>
                 <a:tailEnd/>
               </a14:hiddenLine>
-            </a:ext>
-            <a:ext uri="{FAA26D3D-D897-4be2-8F04-BA451C77F1D7}">
-              <ma14:placeholderFlag xmlns:ma14="http://schemas.microsoft.com/office/mac/drawingml/2011/main" val="1"/>
             </a:ext>
           </a:extLst>
         </p:spPr>
@@ -4543,7 +4584,7 @@
               <a:pPr>
                 <a:defRPr/>
               </a:pPr>
-              <a:t>7/29/15</a:t>
+              <a:t>8/12/16</a:t>
             </a:fld>
             <a:endParaRPr lang="en-US"/>
           </a:p>
@@ -5120,14 +5161,14 @@
           </a:ln>
           <a:extLst>
             <a:ext uri="{909E8E84-426E-40dd-AFC4-6F175D3DCCD1}">
-              <a14:hiddenFill xmlns:a14="http://schemas.microsoft.com/office/drawing/2010/main">
+              <a14:hiddenFill xmlns:a14="http://schemas.microsoft.com/office/drawing/2010/main" xmlns="">
                 <a:solidFill>
                   <a:srgbClr val="FFFFFF"/>
                 </a:solidFill>
               </a14:hiddenFill>
             </a:ext>
             <a:ext uri="{91240B29-F687-4f45-9708-019B960494DF}">
-              <a14:hiddenLine xmlns:a14="http://schemas.microsoft.com/office/drawing/2010/main" w="9525">
+              <a14:hiddenLine xmlns:a14="http://schemas.microsoft.com/office/drawing/2010/main" xmlns="" w="9525">
                 <a:solidFill>
                   <a:srgbClr val="000000"/>
                 </a:solidFill>
@@ -5281,14 +5322,14 @@
           </a:ln>
           <a:extLst>
             <a:ext uri="{909E8E84-426E-40dd-AFC4-6F175D3DCCD1}">
-              <a14:hiddenFill xmlns:a14="http://schemas.microsoft.com/office/drawing/2010/main">
+              <a14:hiddenFill xmlns:a14="http://schemas.microsoft.com/office/drawing/2010/main" xmlns="">
                 <a:solidFill>
                   <a:srgbClr val="FFFFFF"/>
                 </a:solidFill>
               </a14:hiddenFill>
             </a:ext>
             <a:ext uri="{91240B29-F687-4f45-9708-019B960494DF}">
-              <a14:hiddenLine xmlns:a14="http://schemas.microsoft.com/office/drawing/2010/main" w="9525">
+              <a14:hiddenLine xmlns:a14="http://schemas.microsoft.com/office/drawing/2010/main" xmlns="" w="9525">
                 <a:solidFill>
                   <a:srgbClr val="000000"/>
                 </a:solidFill>
@@ -5332,7 +5373,7 @@
   <p:timing>
     <p:tnLst>
       <p:par>
-        <p:cTn xmlns:p14="http://schemas.microsoft.com/office/powerpoint/2010/main" id="1" dur="indefinite" restart="never" nodeType="tmRoot"/>
+        <p:cTn id="1" dur="indefinite" restart="never" nodeType="tmRoot"/>
       </p:par>
     </p:tnLst>
   </p:timing>
@@ -6988,14 +7029,14 @@
           </a:ln>
           <a:extLst>
             <a:ext uri="{909E8E84-426E-40dd-AFC4-6F175D3DCCD1}">
-              <a14:hiddenFill xmlns:a14="http://schemas.microsoft.com/office/drawing/2010/main">
+              <a14:hiddenFill xmlns:a14="http://schemas.microsoft.com/office/drawing/2010/main" xmlns="">
                 <a:solidFill>
                   <a:srgbClr val="FFFFFF"/>
                 </a:solidFill>
               </a14:hiddenFill>
             </a:ext>
             <a:ext uri="{91240B29-F687-4f45-9708-019B960494DF}">
-              <a14:hiddenLine xmlns:a14="http://schemas.microsoft.com/office/drawing/2010/main" w="9525">
+              <a14:hiddenLine xmlns:a14="http://schemas.microsoft.com/office/drawing/2010/main" xmlns="" w="9525">
                 <a:solidFill>
                   <a:srgbClr val="000000"/>
                 </a:solidFill>
@@ -7182,7 +7223,7 @@
   <p:timing>
     <p:tnLst>
       <p:par>
-        <p:cTn xmlns:p14="http://schemas.microsoft.com/office/powerpoint/2010/main" id="1" dur="indefinite" restart="never" nodeType="tmRoot">
+        <p:cTn id="1" dur="indefinite" restart="never" nodeType="tmRoot">
           <p:childTnLst>
             <p:seq concurrent="1" nextAc="seek">
               <p:cTn id="2" dur="indefinite" nodeType="mainSeq">
@@ -9981,11 +10022,11 @@
   <p:clrMapOvr>
     <a:masterClrMapping/>
   </p:clrMapOvr>
-  <p:transition xmlns:p14="http://schemas.microsoft.com/office/powerpoint/2010/main" spd="slow"/>
+  <p:transition spd="slow"/>
   <p:timing>
     <p:tnLst>
       <p:par>
-        <p:cTn xmlns:p14="http://schemas.microsoft.com/office/powerpoint/2010/main" id="1" dur="indefinite" restart="never" nodeType="tmRoot"/>
+        <p:cTn id="1" dur="indefinite" restart="never" nodeType="tmRoot"/>
       </p:par>
     </p:tnLst>
   </p:timing>
@@ -11898,11 +11939,11 @@
   <p:clrMapOvr>
     <a:masterClrMapping/>
   </p:clrMapOvr>
-  <p:transition xmlns:p14="http://schemas.microsoft.com/office/powerpoint/2010/main" spd="slow"/>
+  <p:transition spd="slow"/>
   <p:timing>
     <p:tnLst>
       <p:par>
-        <p:cTn xmlns:p14="http://schemas.microsoft.com/office/powerpoint/2010/main" id="1" dur="indefinite" restart="never" nodeType="tmRoot"/>
+        <p:cTn id="1" dur="indefinite" restart="never" nodeType="tmRoot"/>
       </p:par>
     </p:tnLst>
   </p:timing>
@@ -14570,11 +14611,11 @@
   <p:clrMapOvr>
     <a:masterClrMapping/>
   </p:clrMapOvr>
-  <p:transition xmlns:p14="http://schemas.microsoft.com/office/powerpoint/2010/main" spd="slow"/>
+  <p:transition spd="slow"/>
   <p:timing>
     <p:tnLst>
       <p:par>
-        <p:cTn xmlns:p14="http://schemas.microsoft.com/office/powerpoint/2010/main" id="1" dur="indefinite" restart="never" nodeType="tmRoot"/>
+        <p:cTn id="1" dur="indefinite" restart="never" nodeType="tmRoot"/>
       </p:par>
     </p:tnLst>
   </p:timing>
@@ -16588,11 +16629,11 @@
   <p:clrMapOvr>
     <a:masterClrMapping/>
   </p:clrMapOvr>
-  <p:transition xmlns:p14="http://schemas.microsoft.com/office/powerpoint/2010/main" spd="slow"/>
+  <p:transition spd="slow"/>
   <p:timing>
     <p:tnLst>
       <p:par>
-        <p:cTn xmlns:p14="http://schemas.microsoft.com/office/powerpoint/2010/main" id="1" dur="indefinite" restart="never" nodeType="tmRoot"/>
+        <p:cTn id="1" dur="indefinite" restart="never" nodeType="tmRoot"/>
       </p:par>
     </p:tnLst>
   </p:timing>
